--- a/Project1_exploration/Zomato_Presentation _BB.pptx
+++ b/Project1_exploration/Zomato_Presentation _BB.pptx
@@ -11,11 +11,11 @@
     <p:sldId id="256" r:id="rId2"/>
     <p:sldId id="257" r:id="rId3"/>
     <p:sldId id="258" r:id="rId4"/>
-    <p:sldId id="260" r:id="rId5"/>
-    <p:sldId id="265" r:id="rId6"/>
-    <p:sldId id="261" r:id="rId7"/>
-    <p:sldId id="262" r:id="rId8"/>
-    <p:sldId id="263" r:id="rId9"/>
+    <p:sldId id="269" r:id="rId5"/>
+    <p:sldId id="260" r:id="rId6"/>
+    <p:sldId id="265" r:id="rId7"/>
+    <p:sldId id="261" r:id="rId8"/>
+    <p:sldId id="262" r:id="rId9"/>
     <p:sldId id="266" r:id="rId10"/>
     <p:sldId id="267" r:id="rId11"/>
     <p:sldId id="268" r:id="rId12"/>
@@ -570,7 +570,7 @@
           <a:effectLst/>
           <a:extLst>
             <a:ext uri="{91240B29-F687-4f45-9708-019B960494DF}">
-              <a14:hiddenLine xmlns="" xmlns:a14="http://schemas.microsoft.com/office/drawing/2010/main" w="9525">
+              <a14:hiddenLine xmlns:a14="http://schemas.microsoft.com/office/drawing/2010/main" xmlns="" w="9525">
                 <a:solidFill>
                   <a:srgbClr val="000000"/>
                 </a:solidFill>
@@ -900,7 +900,7 @@
           <a:ln/>
           <a:extLst>
             <a:ext uri="{91240B29-F687-4f45-9708-019B960494DF}">
-              <a14:hiddenLine xmlns="" xmlns:a14="http://schemas.microsoft.com/office/drawing/2010/main" w="9525">
+              <a14:hiddenLine xmlns:a14="http://schemas.microsoft.com/office/drawing/2010/main" xmlns="" w="9525">
                 <a:solidFill>
                   <a:srgbClr val="000000"/>
                 </a:solidFill>
@@ -1202,7 +1202,7 @@
           <a:ln/>
           <a:extLst>
             <a:ext uri="{91240B29-F687-4f45-9708-019B960494DF}">
-              <a14:hiddenLine xmlns="" xmlns:a14="http://schemas.microsoft.com/office/drawing/2010/main" w="9525">
+              <a14:hiddenLine xmlns:a14="http://schemas.microsoft.com/office/drawing/2010/main" xmlns="" w="9525">
                 <a:solidFill>
                   <a:srgbClr val="000000"/>
                 </a:solidFill>
@@ -1565,7 +1565,7 @@
           <a:ln/>
           <a:extLst>
             <a:ext uri="{91240B29-F687-4f45-9708-019B960494DF}">
-              <a14:hiddenLine xmlns="" xmlns:a14="http://schemas.microsoft.com/office/drawing/2010/main" w="9525">
+              <a14:hiddenLine xmlns:a14="http://schemas.microsoft.com/office/drawing/2010/main" xmlns="" w="9525">
                 <a:solidFill>
                   <a:srgbClr val="000000"/>
                 </a:solidFill>
@@ -2175,7 +2175,7 @@
           <a:ln/>
           <a:extLst>
             <a:ext uri="{91240B29-F687-4f45-9708-019B960494DF}">
-              <a14:hiddenLine xmlns="" xmlns:a14="http://schemas.microsoft.com/office/drawing/2010/main" w="9525">
+              <a14:hiddenLine xmlns:a14="http://schemas.microsoft.com/office/drawing/2010/main" xmlns="" w="9525">
                 <a:solidFill>
                   <a:srgbClr val="000000"/>
                 </a:solidFill>
@@ -3198,12 +3198,20 @@
           </a:xfrm>
         </p:spPr>
         <p:txBody>
-          <a:bodyPr/>
+          <a:bodyPr>
+            <a:normAutofit lnSpcReduction="10000"/>
+          </a:bodyPr>
           <a:lstStyle/>
           <a:p>
-            <a:r>
-              <a:rPr lang="en-GB" dirty="0"/>
-              <a:t>Discussion</a:t>
+            <a:endParaRPr lang="en-GB" dirty="0"/>
+          </a:p>
+          <a:p>
+            <a:endParaRPr lang="en-GB" dirty="0"/>
+          </a:p>
+          <a:p>
+            <a:r>
+              <a:rPr lang="en-GB" i="1" dirty="0"/>
+              <a:t>Summary of findings</a:t>
             </a:r>
           </a:p>
           <a:p>
@@ -3212,8 +3220,64 @@
               <a:buChar char="•"/>
             </a:pPr>
             <a:r>
+              <a:rPr lang="en-GB" i="1" dirty="0"/>
+              <a:t>Discuss your findings. </a:t>
+            </a:r>
+          </a:p>
+          <a:p>
+            <a:pPr>
+              <a:buFont typeface="Arial" panose="020B0604020202020204" pitchFamily="34" charset="0"/>
+              <a:buChar char="•"/>
+            </a:pPr>
+            <a:r>
+              <a:rPr lang="en-GB" i="1" dirty="0"/>
+              <a:t>Did you find what you expected to find? If not, why not? What inferences or general conclusions can you draw from your analysis?</a:t>
+            </a:r>
+          </a:p>
+          <a:p>
+            <a:pPr marL="0" indent="0">
+              <a:buNone/>
+            </a:pPr>
+            <a:r>
+              <a:rPr lang="en-GB" i="1" dirty="0"/>
+              <a:t>We can confirm Melbourne has a more dynamic scene due to the number of top end restaurants.</a:t>
+            </a:r>
+          </a:p>
+          <a:p>
+            <a:pPr>
+              <a:buFont typeface="Arial" panose="020B0604020202020204" pitchFamily="34" charset="0"/>
+              <a:buChar char="•"/>
+            </a:pPr>
+            <a:endParaRPr lang="en-GB" i="1" dirty="0"/>
+          </a:p>
+          <a:p>
+            <a:pPr>
+              <a:buFont typeface="Arial" panose="020B0604020202020204" pitchFamily="34" charset="0"/>
+              <a:buChar char="•"/>
+            </a:pPr>
+            <a:r>
+              <a:rPr lang="en-GB" i="1" dirty="0"/>
+              <a:t>Discuss any difficulties that arose, and how you dealt with them</a:t>
+            </a:r>
+          </a:p>
+          <a:p>
+            <a:pPr>
+              <a:buFont typeface="Arial" panose="020B0604020202020204" pitchFamily="34" charset="0"/>
+              <a:buChar char="•"/>
+            </a:pPr>
+            <a:r>
+              <a:rPr lang="en-GB" i="1" dirty="0"/>
+              <a:t>Discuss any additional questions that came up, but which you didn't have time to answer: What would you research next, if you had two more weeks?</a:t>
+            </a:r>
+          </a:p>
+          <a:p>
+            <a:pPr>
+              <a:buFont typeface="Arial" panose="020B0604020202020204" pitchFamily="34" charset="0"/>
+              <a:buChar char="•"/>
+            </a:pPr>
+            <a:r>
               <a:rPr lang="en-GB" dirty="0"/>
-              <a:t>Discuss your findings. Did you find what you expected to find? If not, why not? What inferences or general conclusions can you draw from your analysis?</a:t>
+              <a:t>We would go deeper into analysing the cuisines. </a:t>
             </a:r>
           </a:p>
           <a:p>
@@ -3222,33 +3286,6 @@
               <a:buChar char="•"/>
             </a:pPr>
             <a:endParaRPr lang="en-GB" dirty="0"/>
-          </a:p>
-          <a:p>
-            <a:pPr>
-              <a:buFont typeface="Arial" panose="020B0604020202020204" pitchFamily="34" charset="0"/>
-              <a:buChar char="•"/>
-            </a:pPr>
-            <a:endParaRPr lang="en-GB" dirty="0"/>
-          </a:p>
-          <a:p>
-            <a:pPr>
-              <a:buFont typeface="Arial" panose="020B0604020202020204" pitchFamily="34" charset="0"/>
-              <a:buChar char="•"/>
-            </a:pPr>
-            <a:r>
-              <a:rPr lang="en-GB" dirty="0"/>
-              <a:t>Discuss any difficulties that arose, and how you dealt with them</a:t>
-            </a:r>
-          </a:p>
-          <a:p>
-            <a:pPr>
-              <a:buFont typeface="Arial" panose="020B0604020202020204" pitchFamily="34" charset="0"/>
-              <a:buChar char="•"/>
-            </a:pPr>
-            <a:r>
-              <a:rPr lang="en-GB" dirty="0"/>
-              <a:t>Discuss any additional questions that came up, but which you didn't have time to answer: What would you research next, if you had two more weeks?</a:t>
-            </a:r>
           </a:p>
           <a:p>
             <a:endParaRPr lang="en-AU" dirty="0"/>
@@ -3583,7 +3620,7 @@
             <a:pPr lvl="1"/>
             <a:r>
               <a:rPr lang="en-GB" dirty="0"/>
-              <a:t>So Melbourne restaurants can be seen as the best based on user ratings, but you have to spend more. Either Melburnians love their restaurants and are ready to pay more. Or because Melbourne is renowned for its fine dining, top restaurants can charge more for it.</a:t>
+              <a:t>So Melbourne restaurants can be seen as the best based on user ratings, but you have to spend more. Either Melbournians love their restaurants and are ready to pay more. Or because Melbourne is renowned for its fine dining, top restaurants can charge more for it.</a:t>
             </a:r>
           </a:p>
         </p:txBody>
@@ -3876,6 +3913,119 @@
           <p:cNvPr id="2" name="Title 1">
             <a:extLst>
               <a:ext uri="{FF2B5EF4-FFF2-40B4-BE49-F238E27FC236}">
+                <a16:creationId xmlns:a16="http://schemas.microsoft.com/office/drawing/2014/main" id="{4E2E933F-4349-4E8C-96F9-6668B42C569D}"/>
+              </a:ext>
+            </a:extLst>
+          </p:cNvPr>
+          <p:cNvSpPr>
+            <a:spLocks noGrp="1"/>
+          </p:cNvSpPr>
+          <p:nvPr>
+            <p:ph type="title"/>
+          </p:nvPr>
+        </p:nvSpPr>
+        <p:spPr/>
+        <p:txBody>
+          <a:bodyPr/>
+          <a:lstStyle/>
+          <a:p>
+            <a:r>
+              <a:rPr lang="en-AU" dirty="0"/>
+              <a:t>Clean up </a:t>
+            </a:r>
+          </a:p>
+        </p:txBody>
+      </p:sp>
+      <p:sp>
+        <p:nvSpPr>
+          <p:cNvPr id="3" name="Content Placeholder 2">
+            <a:extLst>
+              <a:ext uri="{FF2B5EF4-FFF2-40B4-BE49-F238E27FC236}">
+                <a16:creationId xmlns:a16="http://schemas.microsoft.com/office/drawing/2014/main" id="{199D60B2-C3B1-4DB9-82D7-E42CF4965E33}"/>
+              </a:ext>
+            </a:extLst>
+          </p:cNvPr>
+          <p:cNvSpPr>
+            <a:spLocks noGrp="1"/>
+          </p:cNvSpPr>
+          <p:nvPr>
+            <p:ph idx="1"/>
+          </p:nvPr>
+        </p:nvSpPr>
+        <p:spPr/>
+        <p:txBody>
+          <a:bodyPr/>
+          <a:lstStyle/>
+          <a:p>
+            <a:endParaRPr lang="en-AU"/>
+          </a:p>
+        </p:txBody>
+      </p:sp>
+      <p:sp>
+        <p:nvSpPr>
+          <p:cNvPr id="4" name="Slide Number Placeholder 3">
+            <a:extLst>
+              <a:ext uri="{FF2B5EF4-FFF2-40B4-BE49-F238E27FC236}">
+                <a16:creationId xmlns:a16="http://schemas.microsoft.com/office/drawing/2014/main" id="{7A504EA7-2BB0-44E0-BA62-140461EEA797}"/>
+              </a:ext>
+            </a:extLst>
+          </p:cNvPr>
+          <p:cNvSpPr>
+            <a:spLocks noGrp="1"/>
+          </p:cNvSpPr>
+          <p:nvPr>
+            <p:ph type="sldNum" sz="quarter" idx="12"/>
+          </p:nvPr>
+        </p:nvSpPr>
+        <p:spPr/>
+        <p:txBody>
+          <a:bodyPr/>
+          <a:lstStyle/>
+          <a:p>
+            <a:fld id="{D57F1E4F-1CFF-5643-939E-217C01CDF565}" type="slidenum">
+              <a:rPr lang="en-US" smtClean="0"/>
+              <a:pPr/>
+              <a:t>4</a:t>
+            </a:fld>
+            <a:endParaRPr lang="en-US" dirty="0"/>
+          </a:p>
+        </p:txBody>
+      </p:sp>
+    </p:spTree>
+    <p:extLst>
+      <p:ext uri="{BB962C8B-B14F-4D97-AF65-F5344CB8AC3E}">
+        <p14:creationId xmlns:p14="http://schemas.microsoft.com/office/powerpoint/2010/main" val="3083928277"/>
+      </p:ext>
+    </p:extLst>
+  </p:cSld>
+  <p:clrMapOvr>
+    <a:masterClrMapping/>
+  </p:clrMapOvr>
+</p:sld>
+</file>
+
+<file path=ppt/slides/slide5.xml><?xml version="1.0" encoding="utf-8"?>
+<p:sld xmlns:a="http://schemas.openxmlformats.org/drawingml/2006/main" xmlns:r="http://schemas.openxmlformats.org/officeDocument/2006/relationships" xmlns:p="http://schemas.openxmlformats.org/presentationml/2006/main">
+  <p:cSld>
+    <p:spTree>
+      <p:nvGrpSpPr>
+        <p:cNvPr id="1" name=""/>
+        <p:cNvGrpSpPr/>
+        <p:nvPr/>
+      </p:nvGrpSpPr>
+      <p:grpSpPr>
+        <a:xfrm>
+          <a:off x="0" y="0"/>
+          <a:ext cx="0" cy="0"/>
+          <a:chOff x="0" y="0"/>
+          <a:chExt cx="0" cy="0"/>
+        </a:xfrm>
+      </p:grpSpPr>
+      <p:sp>
+        <p:nvSpPr>
+          <p:cNvPr id="2" name="Title 1">
+            <a:extLst>
+              <a:ext uri="{FF2B5EF4-FFF2-40B4-BE49-F238E27FC236}">
                 <a16:creationId xmlns:a16="http://schemas.microsoft.com/office/drawing/2014/main" id="{83624837-6DE6-4254-AEEE-68A908474AC6}"/>
               </a:ext>
             </a:extLst>
@@ -3984,7 +4134,7 @@
             <a:fld id="{D57F1E4F-1CFF-5643-939E-217C01CDF565}" type="slidenum">
               <a:rPr lang="en-US" smtClean="0"/>
               <a:pPr/>
-              <a:t>4</a:t>
+              <a:t>5</a:t>
             </a:fld>
             <a:endParaRPr lang="en-US" dirty="0"/>
           </a:p>
@@ -4032,7 +4182,7 @@
 </p:sld>
 </file>
 
-<file path=ppt/slides/slide5.xml><?xml version="1.0" encoding="utf-8"?>
+<file path=ppt/slides/slide6.xml><?xml version="1.0" encoding="utf-8"?>
 <p:sld xmlns:a="http://schemas.openxmlformats.org/drawingml/2006/main" xmlns:r="http://schemas.openxmlformats.org/officeDocument/2006/relationships" xmlns:p="http://schemas.openxmlformats.org/presentationml/2006/main">
   <p:cSld>
     <p:spTree>
@@ -4072,7 +4222,7 @@
           <a:p>
             <a:r>
               <a:rPr lang="en-AU" dirty="0"/>
-              <a:t>User ratings across cities</a:t>
+              <a:t>User ratings across top 100 restaurants in each city</a:t>
             </a:r>
           </a:p>
         </p:txBody>
@@ -4101,41 +4251,12 @@
             <a:fld id="{D57F1E4F-1CFF-5643-939E-217C01CDF565}" type="slidenum">
               <a:rPr lang="en-US" smtClean="0"/>
               <a:pPr/>
-              <a:t>5</a:t>
+              <a:t>6</a:t>
             </a:fld>
             <a:endParaRPr lang="en-US" dirty="0"/>
           </a:p>
         </p:txBody>
       </p:sp>
-      <p:pic>
-        <p:nvPicPr>
-          <p:cNvPr id="13" name="Content Placeholder 12" descr="A picture containing drawing&#10;&#10;Description automatically generated">
-            <a:extLst>
-              <a:ext uri="{FF2B5EF4-FFF2-40B4-BE49-F238E27FC236}">
-                <a16:creationId xmlns:a16="http://schemas.microsoft.com/office/drawing/2014/main" id="{4AF13A67-37DE-4EDC-912C-C51237DF5B22}"/>
-              </a:ext>
-            </a:extLst>
-          </p:cNvPr>
-          <p:cNvPicPr>
-            <a:picLocks noGrp="1" noChangeAspect="1"/>
-          </p:cNvPicPr>
-          <p:nvPr>
-            <p:ph sz="half" idx="2"/>
-          </p:nvPr>
-        </p:nvPicPr>
-        <p:blipFill>
-          <a:blip r:embed="rId2"/>
-          <a:stretch>
-            <a:fillRect/>
-          </a:stretch>
-        </p:blipFill>
-        <p:spPr>
-          <a:xfrm>
-            <a:off x="6187418" y="2971403"/>
-            <a:ext cx="5648344" cy="3765562"/>
-          </a:xfrm>
-        </p:spPr>
-      </p:pic>
       <p:sp>
         <p:nvSpPr>
           <p:cNvPr id="15" name="TextBox 14">
@@ -4194,7 +4315,7 @@
           </p:nvPr>
         </p:nvPicPr>
         <p:blipFill>
-          <a:blip r:embed="rId3"/>
+          <a:blip r:embed="rId2"/>
           <a:stretch>
             <a:fillRect/>
           </a:stretch>
@@ -4203,6 +4324,35 @@
           <a:xfrm>
             <a:off x="259152" y="2971403"/>
             <a:ext cx="5735624" cy="3765562"/>
+          </a:xfrm>
+        </p:spPr>
+      </p:pic>
+      <p:pic>
+        <p:nvPicPr>
+          <p:cNvPr id="7" name="Content Placeholder 6" descr="A picture containing drawing&#10;&#10;Description automatically generated">
+            <a:extLst>
+              <a:ext uri="{FF2B5EF4-FFF2-40B4-BE49-F238E27FC236}">
+                <a16:creationId xmlns:a16="http://schemas.microsoft.com/office/drawing/2014/main" id="{52582472-C814-4919-974B-A2E9188A81F1}"/>
+              </a:ext>
+            </a:extLst>
+          </p:cNvPr>
+          <p:cNvPicPr>
+            <a:picLocks noGrp="1" noChangeAspect="1"/>
+          </p:cNvPicPr>
+          <p:nvPr>
+            <p:ph sz="half" idx="2"/>
+          </p:nvPr>
+        </p:nvPicPr>
+        <p:blipFill>
+          <a:blip r:embed="rId3"/>
+          <a:stretch>
+            <a:fillRect/>
+          </a:stretch>
+        </p:blipFill>
+        <p:spPr>
+          <a:xfrm>
+            <a:off x="6334100" y="2971403"/>
+            <a:ext cx="5648345" cy="3765562"/>
           </a:xfrm>
         </p:spPr>
       </p:pic>
@@ -4219,7 +4369,7 @@
 </p:sld>
 </file>
 
-<file path=ppt/slides/slide6.xml><?xml version="1.0" encoding="utf-8"?>
+<file path=ppt/slides/slide7.xml><?xml version="1.0" encoding="utf-8"?>
 <p:sld xmlns:a="http://schemas.openxmlformats.org/drawingml/2006/main" xmlns:r="http://schemas.openxmlformats.org/officeDocument/2006/relationships" xmlns:p="http://schemas.openxmlformats.org/presentationml/2006/main">
   <p:cSld>
     <p:spTree>
@@ -4385,7 +4535,7 @@
             <a:fld id="{D57F1E4F-1CFF-5643-939E-217C01CDF565}" type="slidenum">
               <a:rPr lang="en-US" smtClean="0"/>
               <a:pPr/>
-              <a:t>6</a:t>
+              <a:t>7</a:t>
             </a:fld>
             <a:endParaRPr lang="en-US" dirty="0"/>
           </a:p>
@@ -4433,185 +4583,6 @@
 </p:sld>
 </file>
 
-<file path=ppt/slides/slide7.xml><?xml version="1.0" encoding="utf-8"?>
-<p:sld xmlns:a="http://schemas.openxmlformats.org/drawingml/2006/main" xmlns:r="http://schemas.openxmlformats.org/officeDocument/2006/relationships" xmlns:p="http://schemas.openxmlformats.org/presentationml/2006/main">
-  <p:cSld>
-    <p:spTree>
-      <p:nvGrpSpPr>
-        <p:cNvPr id="1" name=""/>
-        <p:cNvGrpSpPr/>
-        <p:nvPr/>
-      </p:nvGrpSpPr>
-      <p:grpSpPr>
-        <a:xfrm>
-          <a:off x="0" y="0"/>
-          <a:ext cx="0" cy="0"/>
-          <a:chOff x="0" y="0"/>
-          <a:chExt cx="0" cy="0"/>
-        </a:xfrm>
-      </p:grpSpPr>
-      <p:sp>
-        <p:nvSpPr>
-          <p:cNvPr id="2" name="Title 1">
-            <a:extLst>
-              <a:ext uri="{FF2B5EF4-FFF2-40B4-BE49-F238E27FC236}">
-                <a16:creationId xmlns:a16="http://schemas.microsoft.com/office/drawing/2014/main" id="{F8B1AC77-E90F-4405-B3D1-1285D16EAD55}"/>
-              </a:ext>
-            </a:extLst>
-          </p:cNvPr>
-          <p:cNvSpPr>
-            <a:spLocks noGrp="1"/>
-          </p:cNvSpPr>
-          <p:nvPr>
-            <p:ph type="title"/>
-          </p:nvPr>
-        </p:nvSpPr>
-        <p:spPr/>
-        <p:txBody>
-          <a:bodyPr/>
-          <a:lstStyle/>
-          <a:p>
-            <a:r>
-              <a:rPr lang="en-AU" dirty="0"/>
-              <a:t>Zomato Restaurant Reviews</a:t>
-            </a:r>
-            <a:br>
-              <a:rPr lang="en-AU" sz="2800" dirty="0"/>
-            </a:br>
-            <a:r>
-              <a:rPr lang="en-AU" sz="2000" dirty="0"/>
-              <a:t>Teal Rabbits</a:t>
-            </a:r>
-            <a:br>
-              <a:rPr lang="en-AU" sz="2000" dirty="0"/>
-            </a:br>
-            <a:br>
-              <a:rPr lang="en-AU" sz="2000" dirty="0"/>
-            </a:br>
-            <a:br>
-              <a:rPr lang="en-AU" sz="2000" dirty="0"/>
-            </a:br>
-            <a:r>
-              <a:rPr lang="en-AU" dirty="0"/>
-              <a:t>Restaurants plotted by price, ratings and cities</a:t>
-            </a:r>
-          </a:p>
-        </p:txBody>
-      </p:sp>
-      <p:sp>
-        <p:nvSpPr>
-          <p:cNvPr id="3" name="Content Placeholder 2">
-            <a:extLst>
-              <a:ext uri="{FF2B5EF4-FFF2-40B4-BE49-F238E27FC236}">
-                <a16:creationId xmlns:a16="http://schemas.microsoft.com/office/drawing/2014/main" id="{F0E576D9-9785-4C86-B155-B1186F3C833E}"/>
-              </a:ext>
-            </a:extLst>
-          </p:cNvPr>
-          <p:cNvSpPr>
-            <a:spLocks noGrp="1"/>
-          </p:cNvSpPr>
-          <p:nvPr>
-            <p:ph sz="half" idx="1"/>
-          </p:nvPr>
-        </p:nvSpPr>
-        <p:spPr>
-          <a:xfrm>
-            <a:off x="818712" y="2222287"/>
-            <a:ext cx="3679147" cy="3638763"/>
-          </a:xfrm>
-        </p:spPr>
-        <p:txBody>
-          <a:bodyPr/>
-          <a:lstStyle/>
-          <a:p>
-            <a:endParaRPr lang="en-AU" sz="1800" dirty="0"/>
-          </a:p>
-          <a:p>
-            <a:pPr marL="0" indent="0">
-              <a:buNone/>
-            </a:pPr>
-            <a:r>
-              <a:rPr lang="en-GB" dirty="0"/>
-              <a:t>Findings XXX</a:t>
-            </a:r>
-          </a:p>
-          <a:p>
-            <a:endParaRPr lang="en-AU" sz="1800" dirty="0"/>
-          </a:p>
-        </p:txBody>
-      </p:sp>
-      <p:sp>
-        <p:nvSpPr>
-          <p:cNvPr id="8" name="Slide Number Placeholder 7">
-            <a:extLst>
-              <a:ext uri="{FF2B5EF4-FFF2-40B4-BE49-F238E27FC236}">
-                <a16:creationId xmlns:a16="http://schemas.microsoft.com/office/drawing/2014/main" id="{34387B49-B61E-4F8C-AED6-4C4C0F1C457F}"/>
-              </a:ext>
-            </a:extLst>
-          </p:cNvPr>
-          <p:cNvSpPr>
-            <a:spLocks noGrp="1"/>
-          </p:cNvSpPr>
-          <p:nvPr>
-            <p:ph type="sldNum" sz="quarter" idx="12"/>
-          </p:nvPr>
-        </p:nvSpPr>
-        <p:spPr/>
-        <p:txBody>
-          <a:bodyPr/>
-          <a:lstStyle/>
-          <a:p>
-            <a:fld id="{D57F1E4F-1CFF-5643-939E-217C01CDF565}" type="slidenum">
-              <a:rPr lang="en-US" smtClean="0"/>
-              <a:pPr/>
-              <a:t>7</a:t>
-            </a:fld>
-            <a:endParaRPr lang="en-US" dirty="0"/>
-          </a:p>
-        </p:txBody>
-      </p:sp>
-      <p:pic>
-        <p:nvPicPr>
-          <p:cNvPr id="11" name="Content Placeholder 10">
-            <a:extLst>
-              <a:ext uri="{FF2B5EF4-FFF2-40B4-BE49-F238E27FC236}">
-                <a16:creationId xmlns:a16="http://schemas.microsoft.com/office/drawing/2014/main" id="{2E1C6571-12E8-42DD-ADBC-FDE2CDB82C52}"/>
-              </a:ext>
-            </a:extLst>
-          </p:cNvPr>
-          <p:cNvPicPr>
-            <a:picLocks noGrp="1" noChangeAspect="1"/>
-          </p:cNvPicPr>
-          <p:nvPr>
-            <p:ph sz="half" idx="2"/>
-          </p:nvPr>
-        </p:nvPicPr>
-        <p:blipFill>
-          <a:blip r:embed="rId2"/>
-          <a:stretch>
-            <a:fillRect/>
-          </a:stretch>
-        </p:blipFill>
-        <p:spPr>
-          <a:xfrm>
-            <a:off x="4497859" y="2334462"/>
-            <a:ext cx="7574772" cy="4030232"/>
-          </a:xfrm>
-        </p:spPr>
-      </p:pic>
-    </p:spTree>
-    <p:extLst>
-      <p:ext uri="{BB962C8B-B14F-4D97-AF65-F5344CB8AC3E}">
-        <p14:creationId xmlns:p14="http://schemas.microsoft.com/office/powerpoint/2010/main" val="2222814809"/>
-      </p:ext>
-    </p:extLst>
-  </p:cSld>
-  <p:clrMapOvr>
-    <a:masterClrMapping/>
-  </p:clrMapOvr>
-</p:sld>
-</file>
-
 <file path=ppt/slides/slide8.xml><?xml version="1.0" encoding="utf-8"?>
 <p:sld xmlns:a="http://schemas.openxmlformats.org/drawingml/2006/main" xmlns:r="http://schemas.openxmlformats.org/officeDocument/2006/relationships" xmlns:p="http://schemas.openxmlformats.org/presentationml/2006/main">
   <p:cSld>
@@ -4634,7 +4605,7 @@
           <p:cNvPr id="2" name="Title 1">
             <a:extLst>
               <a:ext uri="{FF2B5EF4-FFF2-40B4-BE49-F238E27FC236}">
-                <a16:creationId xmlns:a16="http://schemas.microsoft.com/office/drawing/2014/main" id="{B752726C-035F-425A-9F90-78E85F640B31}"/>
+                <a16:creationId xmlns:a16="http://schemas.microsoft.com/office/drawing/2014/main" id="{F8B1AC77-E90F-4405-B3D1-1285D16EAD55}"/>
               </a:ext>
             </a:extLst>
           </p:cNvPr>
@@ -4645,12 +4616,7 @@
             <p:ph type="title"/>
           </p:nvPr>
         </p:nvSpPr>
-        <p:spPr>
-          <a:xfrm>
-            <a:off x="629103" y="0"/>
-            <a:ext cx="11382000" cy="1864826"/>
-          </a:xfrm>
-        </p:spPr>
+        <p:spPr/>
         <p:txBody>
           <a:bodyPr/>
           <a:lstStyle/>
@@ -4676,19 +4642,60 @@
               <a:rPr lang="en-AU" sz="2000" dirty="0"/>
             </a:br>
             <a:r>
-              <a:rPr lang="en-GB" dirty="0"/>
-              <a:t>Top 10 Cuisines per cities</a:t>
-            </a:r>
-            <a:endParaRPr lang="en-AU" dirty="0"/>
-          </a:p>
-        </p:txBody>
-      </p:sp>
-      <p:sp>
-        <p:nvSpPr>
-          <p:cNvPr id="5" name="Slide Number Placeholder 4">
+              <a:rPr lang="en-AU" dirty="0"/>
+              <a:t>Restaurants plotted by price, ratings and cities</a:t>
+            </a:r>
+          </a:p>
+        </p:txBody>
+      </p:sp>
+      <p:sp>
+        <p:nvSpPr>
+          <p:cNvPr id="3" name="Content Placeholder 2">
             <a:extLst>
               <a:ext uri="{FF2B5EF4-FFF2-40B4-BE49-F238E27FC236}">
-                <a16:creationId xmlns:a16="http://schemas.microsoft.com/office/drawing/2014/main" id="{3ECD3046-B543-439B-9BB0-F7514E5DF1A5}"/>
+                <a16:creationId xmlns:a16="http://schemas.microsoft.com/office/drawing/2014/main" id="{F0E576D9-9785-4C86-B155-B1186F3C833E}"/>
+              </a:ext>
+            </a:extLst>
+          </p:cNvPr>
+          <p:cNvSpPr>
+            <a:spLocks noGrp="1"/>
+          </p:cNvSpPr>
+          <p:nvPr>
+            <p:ph sz="half" idx="1"/>
+          </p:nvPr>
+        </p:nvSpPr>
+        <p:spPr>
+          <a:xfrm>
+            <a:off x="818713" y="2222287"/>
+            <a:ext cx="3289462" cy="3638763"/>
+          </a:xfrm>
+        </p:spPr>
+        <p:txBody>
+          <a:bodyPr/>
+          <a:lstStyle/>
+          <a:p>
+            <a:endParaRPr lang="en-AU" sz="1800" dirty="0"/>
+          </a:p>
+          <a:p>
+            <a:pPr marL="0" indent="0">
+              <a:buNone/>
+            </a:pPr>
+            <a:r>
+              <a:rPr lang="en-GB" dirty="0"/>
+              <a:t>Findings XXX</a:t>
+            </a:r>
+          </a:p>
+          <a:p>
+            <a:endParaRPr lang="en-AU" sz="1800" dirty="0"/>
+          </a:p>
+        </p:txBody>
+      </p:sp>
+      <p:sp>
+        <p:nvSpPr>
+          <p:cNvPr id="8" name="Slide Number Placeholder 7">
+            <a:extLst>
+              <a:ext uri="{FF2B5EF4-FFF2-40B4-BE49-F238E27FC236}">
+                <a16:creationId xmlns:a16="http://schemas.microsoft.com/office/drawing/2014/main" id="{34387B49-B61E-4F8C-AED6-4C4C0F1C457F}"/>
               </a:ext>
             </a:extLst>
           </p:cNvPr>
@@ -4713,52 +4720,21 @@
           </a:p>
         </p:txBody>
       </p:sp>
-      <p:sp>
-        <p:nvSpPr>
-          <p:cNvPr id="14" name="Content Placeholder 13">
+      <p:pic>
+        <p:nvPicPr>
+          <p:cNvPr id="11" name="Content Placeholder 10">
             <a:extLst>
               <a:ext uri="{FF2B5EF4-FFF2-40B4-BE49-F238E27FC236}">
-                <a16:creationId xmlns:a16="http://schemas.microsoft.com/office/drawing/2014/main" id="{FD592A6B-3AAC-4552-8D60-6FF024BF9370}"/>
-              </a:ext>
-            </a:extLst>
-          </p:cNvPr>
-          <p:cNvSpPr>
-            <a:spLocks noGrp="1"/>
-          </p:cNvSpPr>
-          <p:nvPr>
-            <p:ph idx="1"/>
-          </p:nvPr>
-        </p:nvSpPr>
-        <p:spPr>
-          <a:xfrm>
-            <a:off x="304796" y="2143122"/>
-            <a:ext cx="11887204" cy="726000"/>
-          </a:xfrm>
-        </p:spPr>
-        <p:txBody>
-          <a:bodyPr anchor="t"/>
-          <a:lstStyle/>
-          <a:p>
-            <a:r>
-              <a:rPr lang="en-AU" dirty="0"/>
-              <a:t>The variety of cuisines across the five cities is roughly the same.</a:t>
-            </a:r>
-          </a:p>
-        </p:txBody>
-      </p:sp>
-      <p:pic>
-        <p:nvPicPr>
-          <p:cNvPr id="16" name="Picture 15">
-            <a:extLst>
-              <a:ext uri="{FF2B5EF4-FFF2-40B4-BE49-F238E27FC236}">
-                <a16:creationId xmlns:a16="http://schemas.microsoft.com/office/drawing/2014/main" id="{4707853C-F997-47A0-9180-24685B26002B}"/>
+                <a16:creationId xmlns:a16="http://schemas.microsoft.com/office/drawing/2014/main" id="{2E1C6571-12E8-42DD-ADBC-FDE2CDB82C52}"/>
               </a:ext>
             </a:extLst>
           </p:cNvPr>
           <p:cNvPicPr>
-            <a:picLocks noChangeAspect="1"/>
+            <a:picLocks noGrp="1" noChangeAspect="1"/>
           </p:cNvPicPr>
-          <p:nvPr/>
+          <p:nvPr>
+            <p:ph sz="half" idx="2"/>
+          </p:nvPr>
         </p:nvPicPr>
         <p:blipFill>
           <a:blip r:embed="rId2"/>
@@ -4768,18 +4744,15 @@
         </p:blipFill>
         <p:spPr>
           <a:xfrm>
-            <a:off x="375136" y="2650368"/>
-            <a:ext cx="9219032" cy="3986275"/>
+            <a:off x="3631096" y="2112066"/>
+            <a:ext cx="8428283" cy="4484351"/>
           </a:xfrm>
-          <a:prstGeom prst="rect">
-            <a:avLst/>
-          </a:prstGeom>
         </p:spPr>
       </p:pic>
     </p:spTree>
     <p:extLst>
       <p:ext uri="{BB962C8B-B14F-4D97-AF65-F5344CB8AC3E}">
-        <p14:creationId xmlns:p14="http://schemas.microsoft.com/office/powerpoint/2010/main" val="1045714969"/>
+        <p14:creationId xmlns:p14="http://schemas.microsoft.com/office/powerpoint/2010/main" val="2222814809"/>
       </p:ext>
     </p:extLst>
   </p:cSld>
@@ -4865,34 +4838,6 @@
           </a:p>
         </p:txBody>
       </p:sp>
-      <p:pic>
-        <p:nvPicPr>
-          <p:cNvPr id="10" name="Content Placeholder 9" descr="A screenshot of a cell phone&#10;&#10;Description automatically generated">
-            <a:extLst>
-              <a:ext uri="{FF2B5EF4-FFF2-40B4-BE49-F238E27FC236}">
-                <a16:creationId xmlns:a16="http://schemas.microsoft.com/office/drawing/2014/main" id="{4BE4ADB0-6B61-4414-BFB4-C3BBE447BB0E}"/>
-              </a:ext>
-            </a:extLst>
-          </p:cNvPr>
-          <p:cNvPicPr>
-            <a:picLocks noGrp="1" noChangeAspect="1"/>
-          </p:cNvPicPr>
-          <p:nvPr>
-            <p:ph idx="1"/>
-          </p:nvPr>
-        </p:nvPicPr>
-        <p:blipFill rotWithShape="1">
-          <a:blip r:embed="rId2"/>
-          <a:srcRect l="-1" r="6644"/>
-          <a:stretch/>
-        </p:blipFill>
-        <p:spPr>
-          <a:xfrm>
-            <a:off x="278922" y="2548700"/>
-            <a:ext cx="11382000" cy="4064000"/>
-          </a:xfrm>
-        </p:spPr>
-      </p:pic>
       <p:sp>
         <p:nvSpPr>
           <p:cNvPr id="11" name="Content Placeholder 13">
@@ -5126,6 +5071,35 @@
           </a:p>
         </p:txBody>
       </p:sp>
+      <p:pic>
+        <p:nvPicPr>
+          <p:cNvPr id="7" name="Content Placeholder 6" descr="A screenshot of a cell phone&#10;&#10;Description automatically generated">
+            <a:extLst>
+              <a:ext uri="{FF2B5EF4-FFF2-40B4-BE49-F238E27FC236}">
+                <a16:creationId xmlns:a16="http://schemas.microsoft.com/office/drawing/2014/main" id="{0D8D8ABD-D957-4D90-A7BA-ECE789B04BF9}"/>
+              </a:ext>
+            </a:extLst>
+          </p:cNvPr>
+          <p:cNvPicPr>
+            <a:picLocks noGrp="1" noChangeAspect="1"/>
+          </p:cNvPicPr>
+          <p:nvPr>
+            <p:ph idx="1"/>
+          </p:nvPr>
+        </p:nvPicPr>
+        <p:blipFill>
+          <a:blip r:embed="rId2"/>
+          <a:stretch>
+            <a:fillRect/>
+          </a:stretch>
+        </p:blipFill>
+        <p:spPr>
+          <a:xfrm>
+            <a:off x="569843" y="2555979"/>
+            <a:ext cx="8066289" cy="4302021"/>
+          </a:xfrm>
+        </p:spPr>
+      </p:pic>
     </p:spTree>
     <p:extLst>
       <p:ext uri="{BB962C8B-B14F-4D97-AF65-F5344CB8AC3E}">
